--- a/Intro to Cybersecurity Program Phase 2/Day 2/Day_2_AL_Practical Public Key Encryption.pptx
+++ b/Intro to Cybersecurity Program Phase 2/Day 2/Day_2_AL_Practical Public Key Encryption.pptx
@@ -483,7 +483,7 @@
           <a:p>
             <a:fld id="{9CC779C9-22ED-0E48-B8D5-F475C3270A57}" type="datetimeFigureOut">
               <a:rPr lang="en-SA" smtClean="0"/>
-              <a:t>02/12/2025</a:t>
+              <a:t>2/15/25</a:t>
             </a:fld>
             <a:endParaRPr lang="en-SA"/>
           </a:p>
@@ -660,7 +660,7 @@
           <a:p>
             <a:fld id="{7BFE1F0B-5C7E-244F-995E-BAC22A06F0E2}" type="datetimeFigureOut">
               <a:rPr lang="en-SA" smtClean="0"/>
-              <a:t>02/12/2025</a:t>
+              <a:t>2/15/25</a:t>
             </a:fld>
             <a:endParaRPr lang="en-SA"/>
           </a:p>
@@ -10467,11 +10467,10 @@
             </a:pPr>
             <a:r>
               <a:rPr lang="en-US" dirty="0">
-                <a:highlight>
-                  <a:srgbClr val="FFFF00"/>
-                </a:highlight>
-              </a:rPr>
-              <a:t>Presenter Name</a:t>
+                <a:latin typeface="Arial"/>
+                <a:cs typeface="Arial"/>
+              </a:rPr>
+              <a:t>Presenter Name: Dr. Danish Vasan</a:t>
             </a:r>
           </a:p>
           <a:p>
@@ -10480,29 +10479,37 @@
             </a:pPr>
             <a:r>
               <a:rPr lang="en-US" dirty="0">
-                <a:highlight>
-                  <a:srgbClr val="FFFF00"/>
-                </a:highlight>
-              </a:rPr>
-              <a:t>City</a:t>
-            </a:r>
+                <a:latin typeface="Arial"/>
+                <a:cs typeface="Arial"/>
+              </a:rPr>
+              <a:t>City: </a:t>
+            </a:r>
+            <a:r>
+              <a:rPr lang="en-GB" b="0" i="0" u="none" strike="noStrike" dirty="0">
+                <a:solidFill>
+                  <a:srgbClr val="001D35"/>
+                </a:solidFill>
+                <a:effectLst/>
+                <a:latin typeface="Google Sans"/>
+              </a:rPr>
+              <a:t>Dhahran</a:t>
+            </a:r>
+            <a:endParaRPr lang="en-US" dirty="0">
+              <a:latin typeface="Arial"/>
+              <a:cs typeface="Arial"/>
+            </a:endParaRPr>
           </a:p>
           <a:p>
             <a:pPr marL="0" indent="0">
               <a:buNone/>
             </a:pPr>
             <a:r>
-              <a:rPr lang="en-US" dirty="0">
+              <a:rPr lang="en-US">
                 <a:latin typeface="Arial"/>
                 <a:cs typeface="Arial"/>
               </a:rPr>
-              <a:t>February 2025</a:t>
-            </a:r>
-          </a:p>
-          <a:p>
-            <a:pPr marL="0" indent="0">
-              <a:buNone/>
-            </a:pPr>
+              <a:t>16 February 2025</a:t>
+            </a:r>
             <a:endParaRPr lang="en-US" dirty="0"/>
           </a:p>
           <a:p>
@@ -23032,26 +23039,6 @@
 </file>
 
 <file path=customXml/item1.xml><?xml version="1.0" encoding="utf-8"?>
-<p:properties xmlns:p="http://schemas.microsoft.com/office/2006/metadata/properties" xmlns:xsi="http://www.w3.org/2001/XMLSchema-instance" xmlns:pc="http://schemas.microsoft.com/office/infopath/2007/PartnerControls">
-  <documentManagement>
-    <lcf76f155ced4ddcb4097134ff3c332f xmlns="1c751a07-9a99-4a0d-bf4f-fd7d284158bd">
-      <Terms xmlns="http://schemas.microsoft.com/office/infopath/2007/PartnerControls"/>
-    </lcf76f155ced4ddcb4097134ff3c332f>
-    <TaxCatchAll xmlns="b8975faf-9852-4202-b0a4-cf8bf4ffc543" xsi:nil="true"/>
-  </documentManagement>
-</p:properties>
-</file>
-
-<file path=customXml/item2.xml><?xml version="1.0" encoding="utf-8"?>
-<?mso-contentType ?>
-<FormTemplates xmlns="http://schemas.microsoft.com/sharepoint/v3/contenttype/forms">
-  <Display>DocumentLibraryForm</Display>
-  <Edit>DocumentLibraryForm</Edit>
-  <New>DocumentLibraryForm</New>
-</FormTemplates>
-</file>
-
-<file path=customXml/item3.xml><?xml version="1.0" encoding="utf-8"?>
 <ct:contentTypeSchema xmlns:ct="http://schemas.microsoft.com/office/2006/metadata/contentType" xmlns:ma="http://schemas.microsoft.com/office/2006/metadata/properties/metaAttributes" ct:_="" ma:_="" ma:contentTypeName="Document" ma:contentTypeID="0x01010074ACE40C9316844097EABA1DB01D050D" ma:contentTypeVersion="10" ma:contentTypeDescription="Create a new document." ma:contentTypeScope="" ma:versionID="635d6d9e8a0897aa0ddcd1c2ab334b91">
   <xsd:schema xmlns:xsd="http://www.w3.org/2001/XMLSchema" xmlns:xs="http://www.w3.org/2001/XMLSchema" xmlns:p="http://schemas.microsoft.com/office/2006/metadata/properties" xmlns:ns2="1c751a07-9a99-4a0d-bf4f-fd7d284158bd" xmlns:ns3="b8975faf-9852-4202-b0a4-cf8bf4ffc543" targetNamespace="http://schemas.microsoft.com/office/2006/metadata/properties" ma:root="true" ma:fieldsID="478fbf1b410019d95e1f02e3aec017e2" ns2:_="" ns3:_="">
     <xsd:import namespace="1c751a07-9a99-4a0d-bf4f-fd7d284158bd"/>
@@ -23238,26 +23225,27 @@
 </ct:contentTypeSchema>
 </file>
 
-<file path=customXml/itemProps1.xml><?xml version="1.0" encoding="utf-8"?>
-<ds:datastoreItem xmlns:ds="http://schemas.openxmlformats.org/officeDocument/2006/customXml" ds:itemID="{B33D1B49-43E1-4BAC-8848-2B35F1837816}">
-  <ds:schemaRefs>
-    <ds:schemaRef ds:uri="http://schemas.microsoft.com/office/2006/metadata/properties"/>
-    <ds:schemaRef ds:uri="http://schemas.microsoft.com/office/infopath/2007/PartnerControls"/>
-    <ds:schemaRef ds:uri="1c751a07-9a99-4a0d-bf4f-fd7d284158bd"/>
-    <ds:schemaRef ds:uri="b8975faf-9852-4202-b0a4-cf8bf4ffc543"/>
-  </ds:schemaRefs>
-</ds:datastoreItem>
+<file path=customXml/item2.xml><?xml version="1.0" encoding="utf-8"?>
+<p:properties xmlns:p="http://schemas.microsoft.com/office/2006/metadata/properties" xmlns:xsi="http://www.w3.org/2001/XMLSchema-instance" xmlns:pc="http://schemas.microsoft.com/office/infopath/2007/PartnerControls">
+  <documentManagement>
+    <lcf76f155ced4ddcb4097134ff3c332f xmlns="1c751a07-9a99-4a0d-bf4f-fd7d284158bd">
+      <Terms xmlns="http://schemas.microsoft.com/office/infopath/2007/PartnerControls"/>
+    </lcf76f155ced4ddcb4097134ff3c332f>
+    <TaxCatchAll xmlns="b8975faf-9852-4202-b0a4-cf8bf4ffc543" xsi:nil="true"/>
+  </documentManagement>
+</p:properties>
 </file>
 
-<file path=customXml/itemProps2.xml><?xml version="1.0" encoding="utf-8"?>
-<ds:datastoreItem xmlns:ds="http://schemas.openxmlformats.org/officeDocument/2006/customXml" ds:itemID="{BE62FA69-4E0C-4ADE-BAB6-B775F2DD435F}">
-  <ds:schemaRefs>
-    <ds:schemaRef ds:uri="http://schemas.microsoft.com/sharepoint/v3/contenttype/forms"/>
-  </ds:schemaRefs>
-</ds:datastoreItem>
+<file path=customXml/item3.xml><?xml version="1.0" encoding="utf-8"?>
+<?mso-contentType ?>
+<FormTemplates xmlns="http://schemas.microsoft.com/sharepoint/v3/contenttype/forms">
+  <Display>DocumentLibraryForm</Display>
+  <Edit>DocumentLibraryForm</Edit>
+  <New>DocumentLibraryForm</New>
+</FormTemplates>
 </file>
 
-<file path=customXml/itemProps3.xml><?xml version="1.0" encoding="utf-8"?>
+<file path=customXml/itemProps1.xml><?xml version="1.0" encoding="utf-8"?>
 <ds:datastoreItem xmlns:ds="http://schemas.openxmlformats.org/officeDocument/2006/customXml" ds:itemID="{67B56BF3-7421-4F77-84C5-04DF7CA67F5E}">
   <ds:schemaRefs>
     <ds:schemaRef ds:uri="http://schemas.microsoft.com/office/2006/metadata/contentType"/>
@@ -23274,4 +23262,23 @@
     <ds:schemaRef ds:uri="http://schemas.microsoft.com/internal/obd"/>
   </ds:schemaRefs>
 </ds:datastoreItem>
+</file>
+
+<file path=customXml/itemProps2.xml><?xml version="1.0" encoding="utf-8"?>
+<ds:datastoreItem xmlns:ds="http://schemas.openxmlformats.org/officeDocument/2006/customXml" ds:itemID="{B33D1B49-43E1-4BAC-8848-2B35F1837816}">
+  <ds:schemaRefs>
+    <ds:schemaRef ds:uri="http://schemas.microsoft.com/office/2006/metadata/properties"/>
+    <ds:schemaRef ds:uri="http://schemas.microsoft.com/office/infopath/2007/PartnerControls"/>
+    <ds:schemaRef ds:uri="1c751a07-9a99-4a0d-bf4f-fd7d284158bd"/>
+    <ds:schemaRef ds:uri="b8975faf-9852-4202-b0a4-cf8bf4ffc543"/>
+  </ds:schemaRefs>
+</ds:datastoreItem>
+</file>
+
+<file path=customXml/itemProps3.xml><?xml version="1.0" encoding="utf-8"?>
+<ds:datastoreItem xmlns:ds="http://schemas.openxmlformats.org/officeDocument/2006/customXml" ds:itemID="{BE62FA69-4E0C-4ADE-BAB6-B775F2DD435F}">
+  <ds:schemaRefs>
+    <ds:schemaRef ds:uri="http://schemas.microsoft.com/sharepoint/v3/contenttype/forms"/>
+  </ds:schemaRefs>
+</ds:datastoreItem>
 </file>